--- a/Lab_Excercises/Lab2/Lab 2 (Distributed System).pptx
+++ b/Lab_Excercises/Lab2/Lab 2 (Distributed System).pptx
@@ -303,7 +303,7 @@
           <a:p>
             <a:fld id="{D3EB1186-0E29-4C44-B1A9-4B7C9762A0F5}" type="datetimeFigureOut">
               <a:rPr lang="en-GB" smtClean="0"/>
-              <a:t>20/11/2019</a:t>
+              <a:t>21/11/2019</a:t>
             </a:fld>
             <a:endParaRPr lang="en-GB"/>
           </a:p>
@@ -473,7 +473,7 @@
           <a:p>
             <a:fld id="{D3EB1186-0E29-4C44-B1A9-4B7C9762A0F5}" type="datetimeFigureOut">
               <a:rPr lang="en-GB" smtClean="0"/>
-              <a:t>20/11/2019</a:t>
+              <a:t>21/11/2019</a:t>
             </a:fld>
             <a:endParaRPr lang="en-GB"/>
           </a:p>
@@ -653,7 +653,7 @@
           <a:p>
             <a:fld id="{D3EB1186-0E29-4C44-B1A9-4B7C9762A0F5}" type="datetimeFigureOut">
               <a:rPr lang="en-GB" smtClean="0"/>
-              <a:t>20/11/2019</a:t>
+              <a:t>21/11/2019</a:t>
             </a:fld>
             <a:endParaRPr lang="en-GB"/>
           </a:p>
@@ -823,7 +823,7 @@
           <a:p>
             <a:fld id="{D3EB1186-0E29-4C44-B1A9-4B7C9762A0F5}" type="datetimeFigureOut">
               <a:rPr lang="en-GB" smtClean="0"/>
-              <a:t>20/11/2019</a:t>
+              <a:t>21/11/2019</a:t>
             </a:fld>
             <a:endParaRPr lang="en-GB"/>
           </a:p>
@@ -1069,7 +1069,7 @@
           <a:p>
             <a:fld id="{D3EB1186-0E29-4C44-B1A9-4B7C9762A0F5}" type="datetimeFigureOut">
               <a:rPr lang="en-GB" smtClean="0"/>
-              <a:t>20/11/2019</a:t>
+              <a:t>21/11/2019</a:t>
             </a:fld>
             <a:endParaRPr lang="en-GB"/>
           </a:p>
@@ -1357,7 +1357,7 @@
           <a:p>
             <a:fld id="{D3EB1186-0E29-4C44-B1A9-4B7C9762A0F5}" type="datetimeFigureOut">
               <a:rPr lang="en-GB" smtClean="0"/>
-              <a:t>20/11/2019</a:t>
+              <a:t>21/11/2019</a:t>
             </a:fld>
             <a:endParaRPr lang="en-GB"/>
           </a:p>
@@ -1779,7 +1779,7 @@
           <a:p>
             <a:fld id="{D3EB1186-0E29-4C44-B1A9-4B7C9762A0F5}" type="datetimeFigureOut">
               <a:rPr lang="en-GB" smtClean="0"/>
-              <a:t>20/11/2019</a:t>
+              <a:t>21/11/2019</a:t>
             </a:fld>
             <a:endParaRPr lang="en-GB"/>
           </a:p>
@@ -1897,7 +1897,7 @@
           <a:p>
             <a:fld id="{D3EB1186-0E29-4C44-B1A9-4B7C9762A0F5}" type="datetimeFigureOut">
               <a:rPr lang="en-GB" smtClean="0"/>
-              <a:t>20/11/2019</a:t>
+              <a:t>21/11/2019</a:t>
             </a:fld>
             <a:endParaRPr lang="en-GB"/>
           </a:p>
@@ -1992,7 +1992,7 @@
           <a:p>
             <a:fld id="{D3EB1186-0E29-4C44-B1A9-4B7C9762A0F5}" type="datetimeFigureOut">
               <a:rPr lang="en-GB" smtClean="0"/>
-              <a:t>20/11/2019</a:t>
+              <a:t>21/11/2019</a:t>
             </a:fld>
             <a:endParaRPr lang="en-GB"/>
           </a:p>
@@ -2269,7 +2269,7 @@
           <a:p>
             <a:fld id="{D3EB1186-0E29-4C44-B1A9-4B7C9762A0F5}" type="datetimeFigureOut">
               <a:rPr lang="en-GB" smtClean="0"/>
-              <a:t>20/11/2019</a:t>
+              <a:t>21/11/2019</a:t>
             </a:fld>
             <a:endParaRPr lang="en-GB"/>
           </a:p>
@@ -2522,7 +2522,7 @@
           <a:p>
             <a:fld id="{D3EB1186-0E29-4C44-B1A9-4B7C9762A0F5}" type="datetimeFigureOut">
               <a:rPr lang="en-GB" smtClean="0"/>
-              <a:t>20/11/2019</a:t>
+              <a:t>21/11/2019</a:t>
             </a:fld>
             <a:endParaRPr lang="en-GB"/>
           </a:p>
@@ -2735,7 +2735,7 @@
           <a:p>
             <a:fld id="{D3EB1186-0E29-4C44-B1A9-4B7C9762A0F5}" type="datetimeFigureOut">
               <a:rPr lang="en-GB" smtClean="0"/>
-              <a:t>20/11/2019</a:t>
+              <a:t>21/11/2019</a:t>
             </a:fld>
             <a:endParaRPr lang="en-GB"/>
           </a:p>
@@ -3135,11 +3135,7 @@
             </a:r>
             <a:r>
               <a:rPr lang="en-GB" dirty="0" smtClean="0"/>
-              <a:t> </a:t>
-            </a:r>
-            <a:r>
-              <a:rPr lang="en-GB" dirty="0" smtClean="0"/>
-              <a:t>(Distributed System)</a:t>
+              <a:t> (Distributed System)</a:t>
             </a:r>
             <a:endParaRPr lang="en-GB" dirty="0"/>
           </a:p>
@@ -3804,7 +3800,9 @@
         </p:nvSpPr>
         <p:spPr/>
         <p:txBody>
-          <a:bodyPr/>
+          <a:bodyPr>
+            <a:normAutofit fontScale="92500" lnSpcReduction="10000"/>
+          </a:bodyPr>
           <a:lstStyle/>
           <a:p>
             <a:r>
@@ -3822,6 +3820,17 @@
             <a:r>
               <a:rPr lang="en-GB" dirty="0" smtClean="0"/>
               <a:t>If number of server increases then during election some server have overflow of http request queue </a:t>
+            </a:r>
+            <a:endParaRPr lang="en-GB" dirty="0" smtClean="0"/>
+          </a:p>
+          <a:p>
+            <a:r>
+              <a:rPr lang="en-GB" dirty="0" smtClean="0"/>
+              <a:t>If a server is down for some time and re-enter into </a:t>
+            </a:r>
+            <a:r>
+              <a:rPr lang="en-GB" smtClean="0"/>
+              <a:t>the system.</a:t>
             </a:r>
             <a:endParaRPr lang="en-GB" dirty="0" smtClean="0"/>
           </a:p>
